--- a/2023-10-23/10-23 meeting presentation.pptx
+++ b/2023-10-23/10-23 meeting presentation.pptx
@@ -5,16 +5,17 @@
     <p:sldMasterId id="2147483660" r:id="rId1"/>
   </p:sldMasterIdLst>
   <p:notesMasterIdLst>
-    <p:notesMasterId r:id="rId9"/>
+    <p:notesMasterId r:id="rId10"/>
   </p:notesMasterIdLst>
   <p:sldIdLst>
-    <p:sldId id="258" r:id="rId2"/>
-    <p:sldId id="280" r:id="rId3"/>
-    <p:sldId id="286" r:id="rId4"/>
-    <p:sldId id="270" r:id="rId5"/>
-    <p:sldId id="288" r:id="rId6"/>
-    <p:sldId id="289" r:id="rId7"/>
-    <p:sldId id="267" r:id="rId8"/>
+    <p:sldId id="290" r:id="rId2"/>
+    <p:sldId id="258" r:id="rId3"/>
+    <p:sldId id="280" r:id="rId4"/>
+    <p:sldId id="286" r:id="rId5"/>
+    <p:sldId id="270" r:id="rId6"/>
+    <p:sldId id="288" r:id="rId7"/>
+    <p:sldId id="289" r:id="rId8"/>
+    <p:sldId id="267" r:id="rId9"/>
   </p:sldIdLst>
   <p:sldSz cx="12192000" cy="6858000"/>
   <p:notesSz cx="6858000" cy="9144000"/>
@@ -124,7 +125,7 @@
 <file path=ppt/revisionInfo.xml><?xml version="1.0" encoding="utf-8"?>
 <p1510:revInfo xmlns:a="http://schemas.openxmlformats.org/drawingml/2006/main" xmlns:r="http://schemas.openxmlformats.org/officeDocument/2006/relationships" xmlns:p1510="http://schemas.microsoft.com/office/powerpoint/2015/10/main">
   <p1510:revLst>
-    <p1510:client id="{6B4188CB-ED6F-4CCE-BB5B-E1FEA4A6D2F7}" v="8" dt="2023-10-23T16:48:51.046"/>
+    <p1510:client id="{6B4188CB-ED6F-4CCE-BB5B-E1FEA4A6D2F7}" v="9" dt="2023-10-23T21:00:34.318"/>
   </p1510:revLst>
 </p1510:revInfo>
 </file>
@@ -134,7 +135,7 @@
   <pc:docChgLst>
     <pc:chgData name="Zeni, Adrian" userId="88e1b842-0844-41cf-baf0-29904c1149b5" providerId="ADAL" clId="{6B4188CB-ED6F-4CCE-BB5B-E1FEA4A6D2F7}"/>
     <pc:docChg chg="undo custSel addSld delSld modSld sldOrd">
-      <pc:chgData name="Zeni, Adrian" userId="88e1b842-0844-41cf-baf0-29904c1149b5" providerId="ADAL" clId="{6B4188CB-ED6F-4CCE-BB5B-E1FEA4A6D2F7}" dt="2023-10-23T17:17:49.963" v="1099" actId="20577"/>
+      <pc:chgData name="Zeni, Adrian" userId="88e1b842-0844-41cf-baf0-29904c1149b5" providerId="ADAL" clId="{6B4188CB-ED6F-4CCE-BB5B-E1FEA4A6D2F7}" dt="2023-10-23T21:00:37.046" v="1103"/>
       <pc:docMkLst>
         <pc:docMk/>
       </pc:docMkLst>
@@ -676,6 +677,13 @@
             <ac:picMk id="5" creationId="{D2D4A6D2-6FB4-D3BB-0BFD-F571762B3894}"/>
           </ac:picMkLst>
         </pc:picChg>
+      </pc:sldChg>
+      <pc:sldChg chg="new ord setBg">
+        <pc:chgData name="Zeni, Adrian" userId="88e1b842-0844-41cf-baf0-29904c1149b5" providerId="ADAL" clId="{6B4188CB-ED6F-4CCE-BB5B-E1FEA4A6D2F7}" dt="2023-10-23T21:00:37.046" v="1103"/>
+        <pc:sldMkLst>
+          <pc:docMk/>
+          <pc:sldMk cId="2622963659" sldId="290"/>
+        </pc:sldMkLst>
       </pc:sldChg>
     </pc:docChg>
   </pc:docChgLst>
@@ -3184,7 +3192,7 @@
           <a:p>
             <a:fld id="{30612524-E7C1-441A-A96C-D3334F7F7B86}" type="slidenum">
               <a:rPr lang="en-US" smtClean="0"/>
-              <a:t>7</a:t>
+              <a:t>8</a:t>
             </a:fld>
             <a:endParaRPr lang="en-US"/>
           </a:p>
@@ -6183,6 +6191,44 @@
     <p:bg>
       <p:bgPr>
         <a:solidFill>
+          <a:schemeClr val="tx1"/>
+        </a:solidFill>
+        <a:effectLst/>
+      </p:bgPr>
+    </p:bg>
+    <p:spTree>
+      <p:nvGrpSpPr>
+        <p:cNvPr id="1" name=""/>
+        <p:cNvGrpSpPr/>
+        <p:nvPr/>
+      </p:nvGrpSpPr>
+      <p:grpSpPr>
+        <a:xfrm>
+          <a:off x="0" y="0"/>
+          <a:ext cx="0" cy="0"/>
+          <a:chOff x="0" y="0"/>
+          <a:chExt cx="0" cy="0"/>
+        </a:xfrm>
+      </p:grpSpPr>
+    </p:spTree>
+    <p:extLst>
+      <p:ext uri="{BB962C8B-B14F-4D97-AF65-F5344CB8AC3E}">
+        <p14:creationId xmlns:p14="http://schemas.microsoft.com/office/powerpoint/2010/main" val="2622963659"/>
+      </p:ext>
+    </p:extLst>
+  </p:cSld>
+  <p:clrMapOvr>
+    <a:masterClrMapping/>
+  </p:clrMapOvr>
+</p:sld>
+</file>
+
+<file path=ppt/slides/slide2.xml><?xml version="1.0" encoding="utf-8"?>
+<p:sld xmlns:a="http://schemas.openxmlformats.org/drawingml/2006/main" xmlns:r="http://schemas.openxmlformats.org/officeDocument/2006/relationships" xmlns:p="http://schemas.openxmlformats.org/presentationml/2006/main">
+  <p:cSld>
+    <p:bg>
+      <p:bgPr>
+        <a:solidFill>
           <a:srgbClr val="00B0F0"/>
         </a:solidFill>
         <a:effectLst/>
@@ -6315,7 +6361,7 @@
 </p:sld>
 </file>
 
-<file path=ppt/slides/slide2.xml><?xml version="1.0" encoding="utf-8"?>
+<file path=ppt/slides/slide3.xml><?xml version="1.0" encoding="utf-8"?>
 <p:sld xmlns:a="http://schemas.openxmlformats.org/drawingml/2006/main" xmlns:r="http://schemas.openxmlformats.org/officeDocument/2006/relationships" xmlns:p="http://schemas.openxmlformats.org/presentationml/2006/main">
   <p:cSld>
     <p:bg>
@@ -6863,7 +6909,7 @@
 </p:sld>
 </file>
 
-<file path=ppt/slides/slide3.xml><?xml version="1.0" encoding="utf-8"?>
+<file path=ppt/slides/slide4.xml><?xml version="1.0" encoding="utf-8"?>
 <p:sld xmlns:a="http://schemas.openxmlformats.org/drawingml/2006/main" xmlns:r="http://schemas.openxmlformats.org/officeDocument/2006/relationships" xmlns:p="http://schemas.openxmlformats.org/presentationml/2006/main">
   <p:cSld>
     <p:bg>
@@ -7132,7 +7178,7 @@
 </p:sld>
 </file>
 
-<file path=ppt/slides/slide4.xml><?xml version="1.0" encoding="utf-8"?>
+<file path=ppt/slides/slide5.xml><?xml version="1.0" encoding="utf-8"?>
 <p:sld xmlns:a="http://schemas.openxmlformats.org/drawingml/2006/main" xmlns:r="http://schemas.openxmlformats.org/officeDocument/2006/relationships" xmlns:p="http://schemas.openxmlformats.org/presentationml/2006/main">
   <p:cSld>
     <p:bg>
@@ -7604,7 +7650,7 @@
 </p:sld>
 </file>
 
-<file path=ppt/slides/slide5.xml><?xml version="1.0" encoding="utf-8"?>
+<file path=ppt/slides/slide6.xml><?xml version="1.0" encoding="utf-8"?>
 <p:sld xmlns:a="http://schemas.openxmlformats.org/drawingml/2006/main" xmlns:r="http://schemas.openxmlformats.org/officeDocument/2006/relationships" xmlns:p="http://schemas.openxmlformats.org/presentationml/2006/main">
   <p:cSld>
     <p:bg>
@@ -8045,7 +8091,7 @@
 </p:sld>
 </file>
 
-<file path=ppt/slides/slide6.xml><?xml version="1.0" encoding="utf-8"?>
+<file path=ppt/slides/slide7.xml><?xml version="1.0" encoding="utf-8"?>
 <p:sld xmlns:a="http://schemas.openxmlformats.org/drawingml/2006/main" xmlns:r="http://schemas.openxmlformats.org/officeDocument/2006/relationships" xmlns:p="http://schemas.openxmlformats.org/presentationml/2006/main">
   <p:cSld>
     <p:bg>
@@ -9058,7 +9104,7 @@
 </p:sld>
 </file>
 
-<file path=ppt/slides/slide7.xml><?xml version="1.0" encoding="utf-8"?>
+<file path=ppt/slides/slide8.xml><?xml version="1.0" encoding="utf-8"?>
 <p:sld xmlns:a="http://schemas.openxmlformats.org/drawingml/2006/main" xmlns:r="http://schemas.openxmlformats.org/officeDocument/2006/relationships" xmlns:p="http://schemas.openxmlformats.org/presentationml/2006/main">
   <p:cSld>
     <p:bg>
